--- a/Яндекс Лицей Shoolject.pptx
+++ b/Яндекс Лицей Shoolject.pptx
@@ -11,8 +11,9 @@
     <p:sldId id="259" r:id="rId5"/>
     <p:sldId id="260" r:id="rId6"/>
     <p:sldId id="261" r:id="rId7"/>
-    <p:sldId id="263" r:id="rId8"/>
-    <p:sldId id="262" r:id="rId9"/>
+    <p:sldId id="264" r:id="rId8"/>
+    <p:sldId id="263" r:id="rId9"/>
+    <p:sldId id="262" r:id="rId10"/>
   </p:sldIdLst>
   <p:sldSz cx="12192000" cy="6858000"/>
   <p:notesSz cx="6858000" cy="9144000"/>
@@ -111,6 +112,11 @@
       </a:defRPr>
     </a:lvl9pPr>
   </p:defaultTextStyle>
+  <p:extLst>
+    <p:ext uri="{EFAFB233-063F-42B5-8137-9DF3F51BA10A}">
+      <p15:sldGuideLst xmlns:p15="http://schemas.microsoft.com/office/powerpoint/2012/main"/>
+    </p:ext>
+  </p:extLst>
 </p:presentation>
 </file>
 
@@ -841,7 +847,7 @@
             <a:fld id="{B61BEF0D-F0BB-DE4B-95CE-6DB70DBA9567}" type="datetimeFigureOut">
               <a:rPr lang="en-US" dirty="0"/>
               <a:pPr/>
-              <a:t>4/24/2023</a:t>
+              <a:t>4/25/2023</a:t>
             </a:fld>
             <a:endParaRPr lang="en-US" dirty="0"/>
           </a:p>
@@ -1089,7 +1095,7 @@
             <a:fld id="{B61BEF0D-F0BB-DE4B-95CE-6DB70DBA9567}" type="datetimeFigureOut">
               <a:rPr lang="en-US" dirty="0"/>
               <a:pPr/>
-              <a:t>4/24/2023</a:t>
+              <a:t>4/25/2023</a:t>
             </a:fld>
             <a:endParaRPr lang="en-US" dirty="0"/>
           </a:p>
@@ -1400,7 +1406,7 @@
             <a:fld id="{B61BEF0D-F0BB-DE4B-95CE-6DB70DBA9567}" type="datetimeFigureOut">
               <a:rPr lang="en-US" dirty="0"/>
               <a:pPr/>
-              <a:t>4/24/2023</a:t>
+              <a:t>4/25/2023</a:t>
             </a:fld>
             <a:endParaRPr lang="en-US" dirty="0"/>
           </a:p>
@@ -1724,7 +1730,7 @@
             <a:fld id="{B61BEF0D-F0BB-DE4B-95CE-6DB70DBA9567}" type="datetimeFigureOut">
               <a:rPr lang="en-US" dirty="0"/>
               <a:pPr/>
-              <a:t>4/24/2023</a:t>
+              <a:t>4/25/2023</a:t>
             </a:fld>
             <a:endParaRPr lang="en-US" dirty="0"/>
           </a:p>
@@ -2035,7 +2041,7 @@
             <a:fld id="{B61BEF0D-F0BB-DE4B-95CE-6DB70DBA9567}" type="datetimeFigureOut">
               <a:rPr lang="en-US" dirty="0"/>
               <a:pPr/>
-              <a:t>4/24/2023</a:t>
+              <a:t>4/25/2023</a:t>
             </a:fld>
             <a:endParaRPr lang="en-US" dirty="0"/>
           </a:p>
@@ -2419,7 +2425,7 @@
             <a:fld id="{B61BEF0D-F0BB-DE4B-95CE-6DB70DBA9567}" type="datetimeFigureOut">
               <a:rPr lang="en-US" dirty="0"/>
               <a:pPr/>
-              <a:t>4/24/2023</a:t>
+              <a:t>4/25/2023</a:t>
             </a:fld>
             <a:endParaRPr lang="en-US" dirty="0"/>
           </a:p>
@@ -2585,7 +2591,7 @@
           <a:p>
             <a:fld id="{55C6B4A9-1611-4792-9094-5F34BCA07E0B}" type="datetimeFigureOut">
               <a:rPr lang="en-US" dirty="0"/>
-              <a:t>4/24/2023</a:t>
+              <a:t>4/25/2023</a:t>
             </a:fld>
             <a:endParaRPr lang="en-US" dirty="0"/>
           </a:p>
@@ -2761,7 +2767,7 @@
             <a:fld id="{B61BEF0D-F0BB-DE4B-95CE-6DB70DBA9567}" type="datetimeFigureOut">
               <a:rPr lang="en-US" dirty="0"/>
               <a:pPr/>
-              <a:t>4/24/2023</a:t>
+              <a:t>4/25/2023</a:t>
             </a:fld>
             <a:endParaRPr lang="en-US" dirty="0"/>
           </a:p>
@@ -2927,7 +2933,7 @@
           <a:p>
             <a:fld id="{42A54C80-263E-416B-A8E0-580EDEADCBDC}" type="datetimeFigureOut">
               <a:rPr lang="en-US" dirty="0"/>
-              <a:t>4/24/2023</a:t>
+              <a:t>4/25/2023</a:t>
             </a:fld>
             <a:endParaRPr lang="en-US" dirty="0"/>
           </a:p>
@@ -3170,7 +3176,7 @@
             <a:fld id="{B61BEF0D-F0BB-DE4B-95CE-6DB70DBA9567}" type="datetimeFigureOut">
               <a:rPr lang="en-US" dirty="0"/>
               <a:pPr/>
-              <a:t>4/24/2023</a:t>
+              <a:t>4/25/2023</a:t>
             </a:fld>
             <a:endParaRPr lang="en-US" dirty="0"/>
           </a:p>
@@ -3398,7 +3404,7 @@
           <a:p>
             <a:fld id="{42A54C80-263E-416B-A8E0-580EDEADCBDC}" type="datetimeFigureOut">
               <a:rPr lang="en-US" dirty="0"/>
-              <a:t>4/24/2023</a:t>
+              <a:t>4/25/2023</a:t>
             </a:fld>
             <a:endParaRPr lang="en-US" dirty="0"/>
           </a:p>
@@ -3768,7 +3774,7 @@
             <a:fld id="{B61BEF0D-F0BB-DE4B-95CE-6DB70DBA9567}" type="datetimeFigureOut">
               <a:rPr lang="en-US" dirty="0"/>
               <a:pPr/>
-              <a:t>4/24/2023</a:t>
+              <a:t>4/25/2023</a:t>
             </a:fld>
             <a:endParaRPr lang="en-US" dirty="0"/>
           </a:p>
@@ -3888,7 +3894,7 @@
             <a:fld id="{B61BEF0D-F0BB-DE4B-95CE-6DB70DBA9567}" type="datetimeFigureOut">
               <a:rPr lang="en-US" dirty="0"/>
               <a:pPr/>
-              <a:t>4/24/2023</a:t>
+              <a:t>4/25/2023</a:t>
             </a:fld>
             <a:endParaRPr lang="en-US" dirty="0"/>
           </a:p>
@@ -3980,7 +3986,7 @@
             <a:fld id="{B61BEF0D-F0BB-DE4B-95CE-6DB70DBA9567}" type="datetimeFigureOut">
               <a:rPr lang="en-US" dirty="0"/>
               <a:pPr/>
-              <a:t>4/24/2023</a:t>
+              <a:t>4/25/2023</a:t>
             </a:fld>
             <a:endParaRPr lang="en-US" dirty="0"/>
           </a:p>
@@ -4231,7 +4237,7 @@
           <a:p>
             <a:fld id="{42A54C80-263E-416B-A8E0-580EDEADCBDC}" type="datetimeFigureOut">
               <a:rPr lang="en-US" dirty="0"/>
-              <a:t>4/24/2023</a:t>
+              <a:t>4/25/2023</a:t>
             </a:fld>
             <a:endParaRPr lang="en-US" dirty="0"/>
           </a:p>
@@ -4490,7 +4496,7 @@
             <a:fld id="{B61BEF0D-F0BB-DE4B-95CE-6DB70DBA9567}" type="datetimeFigureOut">
               <a:rPr lang="en-US" dirty="0"/>
               <a:pPr/>
-              <a:t>4/24/2023</a:t>
+              <a:t>4/25/2023</a:t>
             </a:fld>
             <a:endParaRPr lang="en-US" dirty="0"/>
           </a:p>
@@ -5232,7 +5238,7 @@
             <a:fld id="{B61BEF0D-F0BB-DE4B-95CE-6DB70DBA9567}" type="datetimeFigureOut">
               <a:rPr lang="en-US" dirty="0"/>
               <a:pPr/>
-              <a:t>4/24/2023</a:t>
+              <a:t>4/25/2023</a:t>
             </a:fld>
             <a:endParaRPr lang="en-US" dirty="0"/>
           </a:p>
@@ -6512,6 +6518,120 @@
           <a:p>
             <a:r>
               <a:rPr lang="ru-RU" sz="2800" dirty="0" smtClean="0"/>
+              <a:t>Сохранение данных в базы</a:t>
+            </a:r>
+            <a:endParaRPr lang="ru-RU" sz="2800" dirty="0"/>
+          </a:p>
+        </p:txBody>
+      </p:sp>
+      <p:pic>
+        <p:nvPicPr>
+          <p:cNvPr id="4" name="Объект 3"/>
+          <p:cNvPicPr>
+            <a:picLocks noGrp="1" noChangeAspect="1"/>
+          </p:cNvPicPr>
+          <p:nvPr>
+            <p:ph idx="1"/>
+          </p:nvPr>
+        </p:nvPicPr>
+        <p:blipFill>
+          <a:blip r:embed="rId2">
+            <a:extLst>
+              <a:ext uri="{28A0092B-C50C-407E-A947-70E740481C1C}">
+                <a14:useLocalDpi xmlns:a14="http://schemas.microsoft.com/office/drawing/2010/main" val="0"/>
+              </a:ext>
+            </a:extLst>
+          </a:blip>
+          <a:stretch>
+            <a:fillRect/>
+          </a:stretch>
+        </p:blipFill>
+        <p:spPr>
+          <a:xfrm>
+            <a:off x="122303" y="1796065"/>
+            <a:ext cx="5263513" cy="3249264"/>
+          </a:xfrm>
+        </p:spPr>
+      </p:pic>
+      <p:pic>
+        <p:nvPicPr>
+          <p:cNvPr id="5" name="Рисунок 4"/>
+          <p:cNvPicPr>
+            <a:picLocks noChangeAspect="1"/>
+          </p:cNvPicPr>
+          <p:nvPr/>
+        </p:nvPicPr>
+        <p:blipFill>
+          <a:blip r:embed="rId3">
+            <a:extLst>
+              <a:ext uri="{28A0092B-C50C-407E-A947-70E740481C1C}">
+                <a14:useLocalDpi xmlns:a14="http://schemas.microsoft.com/office/drawing/2010/main" val="0"/>
+              </a:ext>
+            </a:extLst>
+          </a:blip>
+          <a:stretch>
+            <a:fillRect/>
+          </a:stretch>
+        </p:blipFill>
+        <p:spPr>
+          <a:xfrm>
+            <a:off x="5465685" y="1796065"/>
+            <a:ext cx="6046611" cy="3249264"/>
+          </a:xfrm>
+          <a:prstGeom prst="rect">
+            <a:avLst/>
+          </a:prstGeom>
+        </p:spPr>
+      </p:pic>
+    </p:spTree>
+    <p:extLst>
+      <p:ext uri="{BB962C8B-B14F-4D97-AF65-F5344CB8AC3E}">
+        <p14:creationId xmlns:p14="http://schemas.microsoft.com/office/powerpoint/2010/main" val="3622866390"/>
+      </p:ext>
+    </p:extLst>
+  </p:cSld>
+  <p:clrMapOvr>
+    <a:masterClrMapping/>
+  </p:clrMapOvr>
+</p:sld>
+</file>
+
+<file path=ppt/slides/slide8.xml><?xml version="1.0" encoding="utf-8"?>
+<p:sld xmlns:a="http://schemas.openxmlformats.org/drawingml/2006/main" xmlns:r="http://schemas.openxmlformats.org/officeDocument/2006/relationships" xmlns:p="http://schemas.openxmlformats.org/presentationml/2006/main">
+  <p:cSld>
+    <p:spTree>
+      <p:nvGrpSpPr>
+        <p:cNvPr id="1" name=""/>
+        <p:cNvGrpSpPr/>
+        <p:nvPr/>
+      </p:nvGrpSpPr>
+      <p:grpSpPr>
+        <a:xfrm>
+          <a:off x="0" y="0"/>
+          <a:ext cx="0" cy="0"/>
+          <a:chOff x="0" y="0"/>
+          <a:chExt cx="0" cy="0"/>
+        </a:xfrm>
+      </p:grpSpPr>
+      <p:sp>
+        <p:nvSpPr>
+          <p:cNvPr id="2" name="Заголовок 1"/>
+          <p:cNvSpPr>
+            <a:spLocks noGrp="1"/>
+          </p:cNvSpPr>
+          <p:nvPr>
+            <p:ph type="title"/>
+          </p:nvPr>
+        </p:nvSpPr>
+        <p:spPr/>
+        <p:txBody>
+          <a:bodyPr>
+            <a:normAutofit/>
+          </a:bodyPr>
+          <a:lstStyle/>
+          <a:p>
+            <a:r>
+              <a:rPr lang="ru-RU" sz="2800" dirty="0" smtClean="0"/>
               <a:t>Использованные библиотеки. Литература</a:t>
             </a:r>
             <a:endParaRPr lang="ru-RU" sz="2800" dirty="0"/>
@@ -6635,7 +6755,7 @@
 </p:sld>
 </file>
 
-<file path=ppt/slides/slide8.xml><?xml version="1.0" encoding="utf-8"?>
+<file path=ppt/slides/slide9.xml><?xml version="1.0" encoding="utf-8"?>
 <p:sld xmlns:a="http://schemas.openxmlformats.org/drawingml/2006/main" xmlns:r="http://schemas.openxmlformats.org/officeDocument/2006/relationships" xmlns:p="http://schemas.openxmlformats.org/presentationml/2006/main">
   <p:cSld>
     <p:spTree>
